--- a/doc/01_ペルソナ設定シート.pptx
+++ b/doc/01_ペルソナ設定シート.pptx
@@ -5343,31 +5343,37 @@
           </a:p>
         </p:txBody>
       </p:sp>
-      <p:sp>
-        <p:nvSpPr>
-          <p:cNvPr id="7" name="図プレースホルダー 6">
-            <a:extLst>
-              <a:ext uri="{FF2B5EF4-FFF2-40B4-BE49-F238E27FC236}">
-                <a16:creationId xmlns:a16="http://schemas.microsoft.com/office/drawing/2014/main" id="{18C68741-DBC5-E560-0705-858EB28B8A9A}"/>
-              </a:ext>
-            </a:extLst>
-          </p:cNvPr>
-          <p:cNvSpPr>
-            <a:spLocks noGrp="1"/>
-          </p:cNvSpPr>
+      <p:pic>
+        <p:nvPicPr>
+          <p:cNvPr id="3" name="図プレースホルダー 2" descr="電話する人&#10;&#10;中程度の精度で自動的に生成された説明">
+            <a:extLst>
+              <a:ext uri="{FF2B5EF4-FFF2-40B4-BE49-F238E27FC236}">
+                <a16:creationId xmlns:a16="http://schemas.microsoft.com/office/drawing/2014/main" id="{F418BD2B-64CD-E01F-A787-451F274D91C7}"/>
+              </a:ext>
+            </a:extLst>
+          </p:cNvPr>
+          <p:cNvPicPr>
+            <a:picLocks noGrp="1" noChangeAspect="1"/>
+          </p:cNvPicPr>
           <p:nvPr>
             <p:ph type="pic" idx="13"/>
           </p:nvPr>
-        </p:nvSpPr>
+        </p:nvPicPr>
+        <p:blipFill>
+          <a:blip r:embed="rId2">
+            <a:extLst>
+              <a:ext uri="{28A0092B-C50C-407E-A947-70E740481C1C}">
+                <a14:useLocalDpi xmlns:a14="http://schemas.microsoft.com/office/drawing/2010/main" val="0"/>
+              </a:ext>
+            </a:extLst>
+          </a:blip>
+          <a:srcRect l="1841" r="1841"/>
+          <a:stretch>
+            <a:fillRect/>
+          </a:stretch>
+        </p:blipFill>
         <p:spPr/>
-        <p:txBody>
-          <a:bodyPr/>
-          <a:lstStyle/>
-          <a:p>
-            <a:endParaRPr lang="ja-JP" altLang="en-US"/>
-          </a:p>
-        </p:txBody>
-      </p:sp>
+      </p:pic>
       <p:sp>
         <p:nvSpPr>
           <p:cNvPr id="8" name="コンテンツ プレースホルダー 7">
@@ -5490,7 +5496,7 @@
         <p:spPr/>
         <p:txBody>
           <a:bodyPr>
-            <a:normAutofit lnSpcReduction="10000"/>
+            <a:normAutofit/>
           </a:bodyPr>
           <a:lstStyle/>
           <a:p>
@@ -5500,8 +5506,9 @@
             </a:r>
             <a:r>
               <a:rPr lang="ja-JP" altLang="en-US" dirty="0"/>
-              <a:t>：毎日。タイムラインは見ない。</a:t>
-            </a:r>
+              <a:t>：家族とのみ。友達とはつながっているがや鳥はしていない</a:t>
+            </a:r>
+            <a:endParaRPr lang="en-US" altLang="ja-JP" dirty="0"/>
           </a:p>
           <a:p>
             <a:r>
@@ -5518,7 +5525,7 @@
             </a:r>
             <a:r>
               <a:rPr lang="ja-JP" altLang="en-US" dirty="0"/>
-              <a:t>：仕事の不満投稿を連投している。</a:t>
+              <a:t>：見る専。ゲームの情報。</a:t>
             </a:r>
           </a:p>
           <a:p>
@@ -5528,7 +5535,7 @@
             </a:r>
             <a:r>
               <a:rPr lang="ja-JP" altLang="en-US" dirty="0"/>
-              <a:t>：毎日。些細なこともすぐ投稿する。いいね数を生きがいにしている。</a:t>
+              <a:t>：自信のあるものを投稿する。いいね数を生きがいにしている。</a:t>
             </a:r>
           </a:p>
           <a:p>
@@ -5538,8 +5545,9 @@
             </a:r>
             <a:r>
               <a:rPr lang="ja-JP" altLang="en-US" dirty="0"/>
-              <a:t>：登録したが、投稿はしていない。学生時代の友人の投稿をたまに見る。</a:t>
-            </a:r>
+              <a:t>：してない。</a:t>
+            </a:r>
+            <a:endParaRPr lang="en-US" altLang="ja-JP" dirty="0"/>
           </a:p>
           <a:p>
             <a:r>
@@ -5548,7 +5556,7 @@
             </a:r>
             <a:r>
               <a:rPr lang="ja-JP" altLang="en-US" dirty="0"/>
-              <a:t>：家に帰ってからはよく見ている。趣味のネイルに関する動画を見ながら食事をすることが多い。</a:t>
+              <a:t>：家に帰ってからはよく見ている。ゲーム実況をよく見ている。</a:t>
             </a:r>
             <a:endParaRPr lang="en-US" altLang="ja-JP" dirty="0"/>
           </a:p>
@@ -5559,11 +5567,8 @@
             </a:r>
             <a:r>
               <a:rPr lang="ja-JP" altLang="en-US" dirty="0"/>
-              <a:t>：ちょっと冷めた目で見ているが、羨ましさも感じる。</a:t>
-            </a:r>
-          </a:p>
-          <a:p>
-            <a:endParaRPr lang="ja-JP" altLang="en-US" dirty="0"/>
+              <a:t>：やったことはない。</a:t>
+            </a:r>
           </a:p>
         </p:txBody>
       </p:sp>
@@ -5612,15 +5617,7 @@
           <a:p>
             <a:r>
               <a:rPr lang="ja-JP" altLang="en-US" dirty="0"/>
-              <a:t>欲求：仕事では、人数が多く、一人当たりの仕事量が少ない会社に転職したい。転職先では、時間にゆとりがあり、会社で人間関係を構築していきたいとも思わないが、やはり人と繋がりたい。でも深くつながるのは面倒でもある。</a:t>
-            </a:r>
-            <a:r>
-              <a:rPr lang="en-US" altLang="ja-JP" dirty="0"/>
-              <a:t>SNS</a:t>
-            </a:r>
-            <a:r>
-              <a:rPr lang="ja-JP" altLang="en-US" dirty="0"/>
-              <a:t>で繋がるのは性に合わなかった。</a:t>
+              <a:t>欲求：健康診断で引っかからなくなりたい。友人づきあいを再開したい。やせたい。ゲームの結果を自慢したい。</a:t>
             </a:r>
           </a:p>
         </p:txBody>
